--- a/03. Computer Networks/PPTs/2.4. IEEE 802.pptx
+++ b/03. Computer Networks/PPTs/2.4. IEEE 802.pptx
@@ -330,7 +330,7 @@
           <a:p>
             <a:fld id="{8B66F71A-C4AE-436F-8A2A-E86FC1C9E4F3}" type="datetimeFigureOut">
               <a:rPr lang="en-US" smtClean="0"/>
-              <a:t>2/24/2020</a:t>
+              <a:t>3/3/2020</a:t>
             </a:fld>
             <a:endParaRPr lang="en-US"/>
           </a:p>
@@ -493,7 +493,7 @@
           <a:p>
             <a:fld id="{8B66F71A-C4AE-436F-8A2A-E86FC1C9E4F3}" type="datetimeFigureOut">
               <a:rPr lang="en-US" smtClean="0"/>
-              <a:t>2/24/2020</a:t>
+              <a:t>3/3/2020</a:t>
             </a:fld>
             <a:endParaRPr lang="en-US"/>
           </a:p>
@@ -667,7 +667,7 @@
           <a:p>
             <a:fld id="{8B66F71A-C4AE-436F-8A2A-E86FC1C9E4F3}" type="datetimeFigureOut">
               <a:rPr lang="en-US" smtClean="0"/>
-              <a:t>2/24/2020</a:t>
+              <a:t>3/3/2020</a:t>
             </a:fld>
             <a:endParaRPr lang="en-US"/>
           </a:p>
@@ -830,7 +830,7 @@
           <a:p>
             <a:fld id="{8B66F71A-C4AE-436F-8A2A-E86FC1C9E4F3}" type="datetimeFigureOut">
               <a:rPr lang="en-US" smtClean="0"/>
-              <a:t>2/24/2020</a:t>
+              <a:t>3/3/2020</a:t>
             </a:fld>
             <a:endParaRPr lang="en-US"/>
           </a:p>
@@ -1071,7 +1071,7 @@
           <a:p>
             <a:fld id="{8B66F71A-C4AE-436F-8A2A-E86FC1C9E4F3}" type="datetimeFigureOut">
               <a:rPr lang="en-US" smtClean="0"/>
-              <a:t>2/24/2020</a:t>
+              <a:t>3/3/2020</a:t>
             </a:fld>
             <a:endParaRPr lang="en-US"/>
           </a:p>
@@ -1353,7 +1353,7 @@
           <a:p>
             <a:fld id="{8B66F71A-C4AE-436F-8A2A-E86FC1C9E4F3}" type="datetimeFigureOut">
               <a:rPr lang="en-US" smtClean="0"/>
-              <a:t>2/24/2020</a:t>
+              <a:t>3/3/2020</a:t>
             </a:fld>
             <a:endParaRPr lang="en-US"/>
           </a:p>
@@ -1780,7 +1780,7 @@
           <a:p>
             <a:fld id="{8B66F71A-C4AE-436F-8A2A-E86FC1C9E4F3}" type="datetimeFigureOut">
               <a:rPr lang="en-US" smtClean="0"/>
-              <a:t>2/24/2020</a:t>
+              <a:t>3/3/2020</a:t>
             </a:fld>
             <a:endParaRPr lang="en-US"/>
           </a:p>
@@ -1892,7 +1892,7 @@
           <a:p>
             <a:fld id="{8B66F71A-C4AE-436F-8A2A-E86FC1C9E4F3}" type="datetimeFigureOut">
               <a:rPr lang="en-US" smtClean="0"/>
-              <a:t>2/24/2020</a:t>
+              <a:t>3/3/2020</a:t>
             </a:fld>
             <a:endParaRPr lang="en-US"/>
           </a:p>
@@ -1982,7 +1982,7 @@
           <a:p>
             <a:fld id="{8B66F71A-C4AE-436F-8A2A-E86FC1C9E4F3}" type="datetimeFigureOut">
               <a:rPr lang="en-US" smtClean="0"/>
-              <a:t>2/24/2020</a:t>
+              <a:t>3/3/2020</a:t>
             </a:fld>
             <a:endParaRPr lang="en-US"/>
           </a:p>
@@ -2171,7 +2171,7 @@
           <a:p>
             <a:fld id="{8B66F71A-C4AE-436F-8A2A-E86FC1C9E4F3}" type="datetimeFigureOut">
               <a:rPr lang="en-US" smtClean="0"/>
-              <a:t>2/24/2020</a:t>
+              <a:t>3/3/2020</a:t>
             </a:fld>
             <a:endParaRPr lang="en-US"/>
           </a:p>
@@ -2488,7 +2488,7 @@
           <a:p>
             <a:fld id="{8B66F71A-C4AE-436F-8A2A-E86FC1C9E4F3}" type="datetimeFigureOut">
               <a:rPr lang="en-US" smtClean="0"/>
-              <a:t>2/24/2020</a:t>
+              <a:t>3/3/2020</a:t>
             </a:fld>
             <a:endParaRPr lang="en-US"/>
           </a:p>
@@ -2867,7 +2867,7 @@
           <a:p>
             <a:fld id="{8B66F71A-C4AE-436F-8A2A-E86FC1C9E4F3}" type="datetimeFigureOut">
               <a:rPr lang="en-US" smtClean="0"/>
-              <a:t>2/24/2020</a:t>
+              <a:t>3/3/2020</a:t>
             </a:fld>
             <a:endParaRPr lang="en-US"/>
           </a:p>
@@ -4003,7 +4003,7 @@
             </a:r>
             <a:r>
               <a:rPr lang="en-US" b="1" dirty="0"/>
-              <a:t>CSMA /CD</a:t>
+              <a:t>CSMA/CD</a:t>
             </a:r>
           </a:p>
           <a:p>
@@ -4013,7 +4013,7 @@
             </a:r>
             <a:r>
               <a:rPr lang="en-US" b="1" dirty="0"/>
-              <a:t>: 10 Mbps, 100 Mbps, 1 Gbps, 10Gbps</a:t>
+              <a:t>: 10 Mbps, 100 Mbps, 1 Gbps, 10 Gbps</a:t>
             </a:r>
           </a:p>
           <a:p>
@@ -4038,8 +4038,12 @@
           </a:p>
           <a:p>
             <a:r>
+              <a:rPr lang="en-US" b="1" dirty="0"/>
+              <a:t>Baseband</a:t>
+            </a:r>
+            <a:r>
               <a:rPr lang="en-US" dirty="0"/>
-              <a:t>Baseband transmission technique</a:t>
+              <a:t> transmission technique</a:t>
             </a:r>
             <a:endParaRPr lang="en-US" b="1" dirty="0"/>
           </a:p>
@@ -4502,7 +4506,7 @@
         <p:spPr>
           <a:xfrm>
             <a:off x="0" y="533400"/>
-            <a:ext cx="8458200" cy="5715000"/>
+            <a:ext cx="8153400" cy="5715000"/>
           </a:xfrm>
         </p:spPr>
         <p:txBody>
@@ -4511,6 +4515,7 @@
           </a:bodyPr>
           <a:lstStyle/>
           <a:p>
+            <a:pPr algn="just"/>
             <a:r>
               <a:rPr lang="en-US" sz="2400" b="1" dirty="0">
                 <a:latin typeface="Garamond" panose="02020404030301010803" pitchFamily="18" charset="0"/>
@@ -4525,7 +4530,7 @@
             </a:r>
           </a:p>
           <a:p>
-            <a:pPr lvl="1"/>
+            <a:pPr lvl="1" algn="just"/>
             <a:r>
               <a:rPr lang="en-US" sz="2300" dirty="0">
                 <a:latin typeface="Garamond" panose="02020404030301010803" pitchFamily="18" charset="0"/>
@@ -4534,6 +4539,7 @@
             </a:r>
           </a:p>
           <a:p>
+            <a:pPr algn="just"/>
             <a:r>
               <a:rPr lang="en-US" sz="2400" b="1" dirty="0">
                 <a:latin typeface="Garamond" panose="02020404030301010803" pitchFamily="18" charset="0"/>
@@ -4548,7 +4554,7 @@
             </a:r>
           </a:p>
           <a:p>
-            <a:pPr lvl="1"/>
+            <a:pPr lvl="1" algn="just"/>
             <a:r>
               <a:rPr lang="en-US" sz="2300" dirty="0">
                 <a:latin typeface="Garamond" panose="02020404030301010803" pitchFamily="18" charset="0"/>
@@ -4557,7 +4563,7 @@
             </a:r>
           </a:p>
           <a:p>
-            <a:pPr lvl="1"/>
+            <a:pPr lvl="1" algn="just"/>
             <a:r>
               <a:rPr lang="en-US" sz="2300" dirty="0">
                 <a:latin typeface="Garamond" panose="02020404030301010803" pitchFamily="18" charset="0"/>
@@ -4566,6 +4572,7 @@
             </a:r>
           </a:p>
           <a:p>
+            <a:pPr algn="just"/>
             <a:r>
               <a:rPr lang="en-US" sz="2400" b="1" dirty="0">
                 <a:latin typeface="Garamond" panose="02020404030301010803" pitchFamily="18" charset="0"/>
@@ -4574,7 +4581,7 @@
             </a:r>
           </a:p>
           <a:p>
-            <a:pPr lvl="1"/>
+            <a:pPr lvl="1" algn="just"/>
             <a:r>
               <a:rPr lang="en-US" sz="2300" dirty="0">
                 <a:latin typeface="Garamond" panose="02020404030301010803" pitchFamily="18" charset="0"/>
@@ -4583,21 +4590,21 @@
             </a:r>
           </a:p>
           <a:p>
-            <a:pPr lvl="1"/>
+            <a:pPr lvl="1" algn="just"/>
             <a:r>
               <a:rPr lang="en-US" sz="2300" dirty="0">
                 <a:latin typeface="Garamond" panose="02020404030301010803" pitchFamily="18" charset="0"/>
               </a:rPr>
-              <a:t>This 16-bit field can hold the length value between 0 to 65534, </a:t>
-            </a:r>
-          </a:p>
-          <a:p>
-            <a:pPr lvl="1"/>
+              <a:t>This 16-bit field can hold the length value between 0 to 65534. </a:t>
+            </a:r>
+          </a:p>
+          <a:p>
+            <a:pPr lvl="1" algn="just"/>
             <a:r>
               <a:rPr lang="en-US" sz="2300" dirty="0">
                 <a:latin typeface="Garamond" panose="02020404030301010803" pitchFamily="18" charset="0"/>
               </a:rPr>
-              <a:t> length cannot be larger than 1500 because of some own limitations of Ethernet.</a:t>
+              <a:t>Length cannot be larger than 1500 because of some own limitations of Ethernet.</a:t>
             </a:r>
           </a:p>
         </p:txBody>
@@ -4645,7 +4652,7 @@
         <p:spPr>
           <a:xfrm>
             <a:off x="0" y="381000"/>
-            <a:ext cx="8458200" cy="6248400"/>
+            <a:ext cx="8382000" cy="6248400"/>
           </a:xfrm>
         </p:spPr>
         <p:txBody>
@@ -4773,7 +4780,7 @@
                 </a:solidFill>
                 <a:latin typeface="Garamond" panose="02020404030301010803" pitchFamily="18" charset="0"/>
               </a:rPr>
-              <a:t>– Size of frame of Ethernet IEEE 802.3 varies 64 bytes to 1518 bytes including data length (46 to 1500 bytes). </a:t>
+              <a:t>– Size of frame of Ethernet IEEE 802.3 varies from 64 bytes to 1518 bytes including data length (46 to 1500 bytes). </a:t>
             </a:r>
           </a:p>
         </p:txBody>
